--- a/week-03/day-04/Reddit Project.pptx
+++ b/week-03/day-04/Reddit Project.pptx
@@ -6,9 +6,14 @@
   </p:sldMasterIdLst>
   <p:sldIdLst>
     <p:sldId id="256" r:id="rId2"/>
-    <p:sldId id="257" r:id="rId3"/>
-    <p:sldId id="258" r:id="rId4"/>
-    <p:sldId id="259" r:id="rId5"/>
+    <p:sldId id="258" r:id="rId3"/>
+    <p:sldId id="259" r:id="rId4"/>
+    <p:sldId id="260" r:id="rId5"/>
+    <p:sldId id="261" r:id="rId6"/>
+    <p:sldId id="262" r:id="rId7"/>
+    <p:sldId id="263" r:id="rId8"/>
+    <p:sldId id="264" r:id="rId9"/>
+    <p:sldId id="265" r:id="rId10"/>
   </p:sldIdLst>
   <p:sldSz cx="12192000" cy="6858000"/>
   <p:notesSz cx="6858000" cy="9144000"/>
@@ -107,6 +112,11 @@
       </a:defRPr>
     </a:lvl9pPr>
   </p:defaultTextStyle>
+  <p:extLst>
+    <p:ext uri="{EFAFB233-063F-42B5-8137-9DF3F51BA10A}">
+      <p15:sldGuideLst xmlns:p15="http://schemas.microsoft.com/office/powerpoint/2012/main"/>
+    </p:ext>
+  </p:extLst>
 </p:presentation>
 </file>
 
@@ -6124,6 +6134,13 @@
   <p:clrMapOvr>
     <a:masterClrMapping/>
   </p:clrMapOvr>
+  <p:timing>
+    <p:tnLst>
+      <p:par>
+        <p:cTn id="1" dur="indefinite" restart="never" nodeType="tmRoot"/>
+      </p:par>
+    </p:tnLst>
+  </p:timing>
 </p:sld>
 </file>
 
@@ -6144,16 +6161,79 @@
           <a:chExt cx="0" cy="0"/>
         </a:xfrm>
       </p:grpSpPr>
+      <p:sp>
+        <p:nvSpPr>
+          <p:cNvPr id="2" name="Title 1"/>
+          <p:cNvSpPr>
+            <a:spLocks noGrp="1"/>
+          </p:cNvSpPr>
+          <p:nvPr>
+            <p:ph type="title"/>
+          </p:nvPr>
+        </p:nvSpPr>
+        <p:spPr/>
+        <p:txBody>
+          <a:bodyPr/>
+          <a:lstStyle/>
+          <a:p>
+            <a:r>
+              <a:rPr lang="en-US" dirty="0" err="1" smtClean="0"/>
+              <a:t>Reddit</a:t>
+            </a:r>
+            <a:r>
+              <a:rPr lang="en-US" dirty="0" smtClean="0"/>
+              <a:t> website</a:t>
+            </a:r>
+            <a:endParaRPr lang="en-US" dirty="0"/>
+          </a:p>
+        </p:txBody>
+      </p:sp>
+      <p:pic>
+        <p:nvPicPr>
+          <p:cNvPr id="4" name="Content Placeholder 3"/>
+          <p:cNvPicPr>
+            <a:picLocks noGrp="1" noChangeAspect="1"/>
+          </p:cNvPicPr>
+          <p:nvPr>
+            <p:ph idx="1"/>
+          </p:nvPr>
+        </p:nvPicPr>
+        <p:blipFill>
+          <a:blip r:embed="rId2">
+            <a:extLst>
+              <a:ext uri="{28A0092B-C50C-407E-A947-70E740481C1C}">
+                <a14:useLocalDpi xmlns:a14="http://schemas.microsoft.com/office/drawing/2010/main" val="0"/>
+              </a:ext>
+            </a:extLst>
+          </a:blip>
+          <a:stretch>
+            <a:fillRect/>
+          </a:stretch>
+        </p:blipFill>
+        <p:spPr>
+          <a:xfrm>
+            <a:off x="646111" y="1853248"/>
+            <a:ext cx="10065059" cy="4121897"/>
+          </a:xfrm>
+        </p:spPr>
+      </p:pic>
     </p:spTree>
     <p:extLst>
       <p:ext uri="{BB962C8B-B14F-4D97-AF65-F5344CB8AC3E}">
-        <p14:creationId xmlns:p14="http://schemas.microsoft.com/office/powerpoint/2010/main" val="1032941557"/>
+        <p14:creationId xmlns:p14="http://schemas.microsoft.com/office/powerpoint/2010/main" val="2329802104"/>
       </p:ext>
     </p:extLst>
   </p:cSld>
   <p:clrMapOvr>
     <a:masterClrMapping/>
   </p:clrMapOvr>
+  <p:timing>
+    <p:tnLst>
+      <p:par>
+        <p:cTn id="1" dur="indefinite" restart="never" nodeType="tmRoot"/>
+      </p:par>
+    </p:tnLst>
+  </p:timing>
 </p:sld>
 </file>
 
@@ -6189,39 +6269,60 @@
           <a:bodyPr/>
           <a:lstStyle/>
           <a:p>
-            <a:endParaRPr lang="en-US"/>
-          </a:p>
-        </p:txBody>
-      </p:sp>
-      <p:sp>
-        <p:nvSpPr>
-          <p:cNvPr id="3" name="Content Placeholder 2"/>
-          <p:cNvSpPr>
-            <a:spLocks noGrp="1"/>
-          </p:cNvSpPr>
+            <a:r>
+              <a:rPr lang="en-US" dirty="0" smtClean="0"/>
+              <a:t>Facebook</a:t>
+            </a:r>
+            <a:endParaRPr lang="en-US" dirty="0"/>
+          </a:p>
+        </p:txBody>
+      </p:sp>
+      <p:pic>
+        <p:nvPicPr>
+          <p:cNvPr id="4" name="Content Placeholder 3"/>
+          <p:cNvPicPr>
+            <a:picLocks noGrp="1" noChangeAspect="1"/>
+          </p:cNvPicPr>
           <p:nvPr>
             <p:ph idx="1"/>
           </p:nvPr>
-        </p:nvSpPr>
-        <p:spPr/>
-        <p:txBody>
-          <a:bodyPr/>
-          <a:lstStyle/>
-          <a:p>
-            <a:endParaRPr lang="en-US"/>
-          </a:p>
-        </p:txBody>
-      </p:sp>
+        </p:nvPicPr>
+        <p:blipFill>
+          <a:blip r:embed="rId2">
+            <a:extLst>
+              <a:ext uri="{28A0092B-C50C-407E-A947-70E740481C1C}">
+                <a14:useLocalDpi xmlns:a14="http://schemas.microsoft.com/office/drawing/2010/main" val="0"/>
+              </a:ext>
+            </a:extLst>
+          </a:blip>
+          <a:stretch>
+            <a:fillRect/>
+          </a:stretch>
+        </p:blipFill>
+        <p:spPr>
+          <a:xfrm>
+            <a:off x="646111" y="1294993"/>
+            <a:ext cx="9124906" cy="5027430"/>
+          </a:xfrm>
+        </p:spPr>
+      </p:pic>
     </p:spTree>
     <p:extLst>
       <p:ext uri="{BB962C8B-B14F-4D97-AF65-F5344CB8AC3E}">
-        <p14:creationId xmlns:p14="http://schemas.microsoft.com/office/powerpoint/2010/main" val="2329802104"/>
+        <p14:creationId xmlns:p14="http://schemas.microsoft.com/office/powerpoint/2010/main" val="2163787514"/>
       </p:ext>
     </p:extLst>
   </p:cSld>
   <p:clrMapOvr>
     <a:masterClrMapping/>
   </p:clrMapOvr>
+  <p:timing>
+    <p:tnLst>
+      <p:par>
+        <p:cTn id="1" dur="indefinite" restart="never" nodeType="tmRoot"/>
+      </p:par>
+    </p:tnLst>
+  </p:timing>
 </p:sld>
 </file>
 
@@ -6257,39 +6358,554 @@
           <a:bodyPr/>
           <a:lstStyle/>
           <a:p>
-            <a:endParaRPr lang="en-US"/>
-          </a:p>
-        </p:txBody>
-      </p:sp>
-      <p:sp>
-        <p:nvSpPr>
-          <p:cNvPr id="3" name="Content Placeholder 2"/>
-          <p:cNvSpPr>
-            <a:spLocks noGrp="1"/>
-          </p:cNvSpPr>
+            <a:r>
+              <a:rPr lang="en-US" dirty="0" smtClean="0"/>
+              <a:t>Project Demo</a:t>
+            </a:r>
+            <a:endParaRPr lang="en-US" dirty="0"/>
+          </a:p>
+        </p:txBody>
+      </p:sp>
+      <p:pic>
+        <p:nvPicPr>
+          <p:cNvPr id="4" name="Content Placeholder 3"/>
+          <p:cNvPicPr>
+            <a:picLocks noGrp="1" noChangeAspect="1"/>
+          </p:cNvPicPr>
           <p:nvPr>
             <p:ph idx="1"/>
           </p:nvPr>
-        </p:nvSpPr>
-        <p:spPr/>
-        <p:txBody>
-          <a:bodyPr/>
-          <a:lstStyle/>
-          <a:p>
-            <a:endParaRPr lang="en-US"/>
-          </a:p>
-        </p:txBody>
-      </p:sp>
+        </p:nvPicPr>
+        <p:blipFill>
+          <a:blip r:embed="rId2">
+            <a:extLst>
+              <a:ext uri="{28A0092B-C50C-407E-A947-70E740481C1C}">
+                <a14:useLocalDpi xmlns:a14="http://schemas.microsoft.com/office/drawing/2010/main" val="0"/>
+              </a:ext>
+            </a:extLst>
+          </a:blip>
+          <a:stretch>
+            <a:fillRect/>
+          </a:stretch>
+        </p:blipFill>
+        <p:spPr>
+          <a:xfrm>
+            <a:off x="3570447" y="2222455"/>
+            <a:ext cx="4195762" cy="4195762"/>
+          </a:xfrm>
+        </p:spPr>
+      </p:pic>
     </p:spTree>
     <p:extLst>
       <p:ext uri="{BB962C8B-B14F-4D97-AF65-F5344CB8AC3E}">
-        <p14:creationId xmlns:p14="http://schemas.microsoft.com/office/powerpoint/2010/main" val="2163787514"/>
+        <p14:creationId xmlns:p14="http://schemas.microsoft.com/office/powerpoint/2010/main" val="3657478736"/>
       </p:ext>
     </p:extLst>
   </p:cSld>
   <p:clrMapOvr>
     <a:masterClrMapping/>
   </p:clrMapOvr>
+  <p:timing>
+    <p:tnLst>
+      <p:par>
+        <p:cTn id="1" dur="indefinite" restart="never" nodeType="tmRoot"/>
+      </p:par>
+    </p:tnLst>
+  </p:timing>
+</p:sld>
+</file>
+
+<file path=ppt/slides/slide5.xml><?xml version="1.0" encoding="utf-8"?>
+<p:sld xmlns:a="http://schemas.openxmlformats.org/drawingml/2006/main" xmlns:r="http://schemas.openxmlformats.org/officeDocument/2006/relationships" xmlns:p="http://schemas.openxmlformats.org/presentationml/2006/main">
+  <p:cSld>
+    <p:spTree>
+      <p:nvGrpSpPr>
+        <p:cNvPr id="1" name=""/>
+        <p:cNvGrpSpPr/>
+        <p:nvPr/>
+      </p:nvGrpSpPr>
+      <p:grpSpPr>
+        <a:xfrm>
+          <a:off x="0" y="0"/>
+          <a:ext cx="0" cy="0"/>
+          <a:chOff x="0" y="0"/>
+          <a:chExt cx="0" cy="0"/>
+        </a:xfrm>
+      </p:grpSpPr>
+      <p:sp>
+        <p:nvSpPr>
+          <p:cNvPr id="2" name="Title 1"/>
+          <p:cNvSpPr>
+            <a:spLocks noGrp="1"/>
+          </p:cNvSpPr>
+          <p:nvPr>
+            <p:ph type="title"/>
+          </p:nvPr>
+        </p:nvSpPr>
+        <p:spPr/>
+        <p:txBody>
+          <a:bodyPr/>
+          <a:lstStyle/>
+          <a:p>
+            <a:r>
+              <a:rPr lang="en-US" dirty="0" smtClean="0"/>
+              <a:t>HTML code</a:t>
+            </a:r>
+            <a:endParaRPr lang="en-US" dirty="0"/>
+          </a:p>
+        </p:txBody>
+      </p:sp>
+      <p:pic>
+        <p:nvPicPr>
+          <p:cNvPr id="6" name="Content Placeholder 5"/>
+          <p:cNvPicPr>
+            <a:picLocks noGrp="1" noChangeAspect="1"/>
+          </p:cNvPicPr>
+          <p:nvPr>
+            <p:ph idx="1"/>
+          </p:nvPr>
+        </p:nvPicPr>
+        <p:blipFill>
+          <a:blip r:embed="rId2">
+            <a:extLst>
+              <a:ext uri="{28A0092B-C50C-407E-A947-70E740481C1C}">
+                <a14:useLocalDpi xmlns:a14="http://schemas.microsoft.com/office/drawing/2010/main" val="0"/>
+              </a:ext>
+            </a:extLst>
+          </a:blip>
+          <a:stretch>
+            <a:fillRect/>
+          </a:stretch>
+        </p:blipFill>
+        <p:spPr>
+          <a:xfrm>
+            <a:off x="646111" y="1436915"/>
+            <a:ext cx="6238015" cy="5199016"/>
+          </a:xfrm>
+        </p:spPr>
+      </p:pic>
+    </p:spTree>
+    <p:extLst>
+      <p:ext uri="{BB962C8B-B14F-4D97-AF65-F5344CB8AC3E}">
+        <p14:creationId xmlns:p14="http://schemas.microsoft.com/office/powerpoint/2010/main" val="3556910489"/>
+      </p:ext>
+    </p:extLst>
+  </p:cSld>
+  <p:clrMapOvr>
+    <a:masterClrMapping/>
+  </p:clrMapOvr>
+  <p:timing>
+    <p:tnLst>
+      <p:par>
+        <p:cTn id="1" dur="indefinite" restart="never" nodeType="tmRoot"/>
+      </p:par>
+    </p:tnLst>
+  </p:timing>
+</p:sld>
+</file>
+
+<file path=ppt/slides/slide6.xml><?xml version="1.0" encoding="utf-8"?>
+<p:sld xmlns:a="http://schemas.openxmlformats.org/drawingml/2006/main" xmlns:r="http://schemas.openxmlformats.org/officeDocument/2006/relationships" xmlns:p="http://schemas.openxmlformats.org/presentationml/2006/main">
+  <p:cSld>
+    <p:spTree>
+      <p:nvGrpSpPr>
+        <p:cNvPr id="1" name=""/>
+        <p:cNvGrpSpPr/>
+        <p:nvPr/>
+      </p:nvGrpSpPr>
+      <p:grpSpPr>
+        <a:xfrm>
+          <a:off x="0" y="0"/>
+          <a:ext cx="0" cy="0"/>
+          <a:chOff x="0" y="0"/>
+          <a:chExt cx="0" cy="0"/>
+        </a:xfrm>
+      </p:grpSpPr>
+      <p:sp>
+        <p:nvSpPr>
+          <p:cNvPr id="2" name="Title 1"/>
+          <p:cNvSpPr>
+            <a:spLocks noGrp="1"/>
+          </p:cNvSpPr>
+          <p:nvPr>
+            <p:ph type="title"/>
+          </p:nvPr>
+        </p:nvSpPr>
+        <p:spPr/>
+        <p:txBody>
+          <a:bodyPr/>
+          <a:lstStyle/>
+          <a:p>
+            <a:r>
+              <a:rPr lang="en-US" dirty="0" smtClean="0"/>
+              <a:t>JS code</a:t>
+            </a:r>
+            <a:endParaRPr lang="en-US" dirty="0"/>
+          </a:p>
+        </p:txBody>
+      </p:sp>
+      <p:pic>
+        <p:nvPicPr>
+          <p:cNvPr id="4" name="Content Placeholder 3"/>
+          <p:cNvPicPr>
+            <a:picLocks noGrp="1" noChangeAspect="1"/>
+          </p:cNvPicPr>
+          <p:nvPr>
+            <p:ph idx="1"/>
+          </p:nvPr>
+        </p:nvPicPr>
+        <p:blipFill>
+          <a:blip r:embed="rId2">
+            <a:extLst>
+              <a:ext uri="{28A0092B-C50C-407E-A947-70E740481C1C}">
+                <a14:useLocalDpi xmlns:a14="http://schemas.microsoft.com/office/drawing/2010/main" val="0"/>
+              </a:ext>
+            </a:extLst>
+          </a:blip>
+          <a:stretch>
+            <a:fillRect/>
+          </a:stretch>
+        </p:blipFill>
+        <p:spPr>
+          <a:xfrm>
+            <a:off x="646111" y="1214846"/>
+            <a:ext cx="4605158" cy="5159828"/>
+          </a:xfrm>
+        </p:spPr>
+      </p:pic>
+      <p:pic>
+        <p:nvPicPr>
+          <p:cNvPr id="5" name="Picture 4"/>
+          <p:cNvPicPr>
+            <a:picLocks noChangeAspect="1"/>
+          </p:cNvPicPr>
+          <p:nvPr/>
+        </p:nvPicPr>
+        <p:blipFill>
+          <a:blip r:embed="rId3">
+            <a:extLst>
+              <a:ext uri="{28A0092B-C50C-407E-A947-70E740481C1C}">
+                <a14:useLocalDpi xmlns:a14="http://schemas.microsoft.com/office/drawing/2010/main" val="0"/>
+              </a:ext>
+            </a:extLst>
+          </a:blip>
+          <a:stretch>
+            <a:fillRect/>
+          </a:stretch>
+        </p:blipFill>
+        <p:spPr>
+          <a:xfrm>
+            <a:off x="6158541" y="1214846"/>
+            <a:ext cx="5598029" cy="5159828"/>
+          </a:xfrm>
+          <a:prstGeom prst="rect">
+            <a:avLst/>
+          </a:prstGeom>
+        </p:spPr>
+      </p:pic>
+    </p:spTree>
+    <p:extLst>
+      <p:ext uri="{BB962C8B-B14F-4D97-AF65-F5344CB8AC3E}">
+        <p14:creationId xmlns:p14="http://schemas.microsoft.com/office/powerpoint/2010/main" val="1067403725"/>
+      </p:ext>
+    </p:extLst>
+  </p:cSld>
+  <p:clrMapOvr>
+    <a:masterClrMapping/>
+  </p:clrMapOvr>
+  <p:timing>
+    <p:tnLst>
+      <p:par>
+        <p:cTn id="1" dur="indefinite" restart="never" nodeType="tmRoot"/>
+      </p:par>
+    </p:tnLst>
+  </p:timing>
+</p:sld>
+</file>
+
+<file path=ppt/slides/slide7.xml><?xml version="1.0" encoding="utf-8"?>
+<p:sld xmlns:a="http://schemas.openxmlformats.org/drawingml/2006/main" xmlns:r="http://schemas.openxmlformats.org/officeDocument/2006/relationships" xmlns:p="http://schemas.openxmlformats.org/presentationml/2006/main">
+  <p:cSld>
+    <p:spTree>
+      <p:nvGrpSpPr>
+        <p:cNvPr id="1" name=""/>
+        <p:cNvGrpSpPr/>
+        <p:nvPr/>
+      </p:nvGrpSpPr>
+      <p:grpSpPr>
+        <a:xfrm>
+          <a:off x="0" y="0"/>
+          <a:ext cx="0" cy="0"/>
+          <a:chOff x="0" y="0"/>
+          <a:chExt cx="0" cy="0"/>
+        </a:xfrm>
+      </p:grpSpPr>
+      <p:sp>
+        <p:nvSpPr>
+          <p:cNvPr id="2" name="Title 1"/>
+          <p:cNvSpPr>
+            <a:spLocks noGrp="1"/>
+          </p:cNvSpPr>
+          <p:nvPr>
+            <p:ph type="title"/>
+          </p:nvPr>
+        </p:nvSpPr>
+        <p:spPr>
+          <a:xfrm>
+            <a:off x="874220" y="652388"/>
+            <a:ext cx="9404723" cy="1400530"/>
+          </a:xfrm>
+        </p:spPr>
+        <p:txBody>
+          <a:bodyPr/>
+          <a:lstStyle/>
+          <a:p>
+            <a:r>
+              <a:rPr lang="en-US" dirty="0" smtClean="0"/>
+              <a:t>Improvements</a:t>
+            </a:r>
+            <a:endParaRPr lang="en-US" dirty="0"/>
+          </a:p>
+        </p:txBody>
+      </p:sp>
+      <p:sp>
+        <p:nvSpPr>
+          <p:cNvPr id="3" name="Content Placeholder 2"/>
+          <p:cNvSpPr>
+            <a:spLocks noGrp="1"/>
+          </p:cNvSpPr>
+          <p:nvPr>
+            <p:ph idx="1"/>
+          </p:nvPr>
+        </p:nvSpPr>
+        <p:spPr/>
+        <p:txBody>
+          <a:bodyPr>
+            <a:normAutofit/>
+          </a:bodyPr>
+          <a:lstStyle/>
+          <a:p>
+            <a:r>
+              <a:rPr lang="en-US" sz="4000" dirty="0" smtClean="0"/>
+              <a:t>Vote</a:t>
+            </a:r>
+          </a:p>
+          <a:p>
+            <a:r>
+              <a:rPr lang="en-US" sz="4000" dirty="0" smtClean="0"/>
+              <a:t>Modify &amp; Remove</a:t>
+            </a:r>
+            <a:endParaRPr lang="en-US" sz="4000" dirty="0"/>
+          </a:p>
+        </p:txBody>
+      </p:sp>
+    </p:spTree>
+    <p:extLst>
+      <p:ext uri="{BB962C8B-B14F-4D97-AF65-F5344CB8AC3E}">
+        <p14:creationId xmlns:p14="http://schemas.microsoft.com/office/powerpoint/2010/main" val="1212061589"/>
+      </p:ext>
+    </p:extLst>
+  </p:cSld>
+  <p:clrMapOvr>
+    <a:masterClrMapping/>
+  </p:clrMapOvr>
+  <p:timing>
+    <p:tnLst>
+      <p:par>
+        <p:cTn id="1" dur="indefinite" restart="never" nodeType="tmRoot"/>
+      </p:par>
+    </p:tnLst>
+  </p:timing>
+</p:sld>
+</file>
+
+<file path=ppt/slides/slide8.xml><?xml version="1.0" encoding="utf-8"?>
+<p:sld xmlns:a="http://schemas.openxmlformats.org/drawingml/2006/main" xmlns:r="http://schemas.openxmlformats.org/officeDocument/2006/relationships" xmlns:p="http://schemas.openxmlformats.org/presentationml/2006/main">
+  <p:cSld>
+    <p:spTree>
+      <p:nvGrpSpPr>
+        <p:cNvPr id="1" name=""/>
+        <p:cNvGrpSpPr/>
+        <p:nvPr/>
+      </p:nvGrpSpPr>
+      <p:grpSpPr>
+        <a:xfrm>
+          <a:off x="0" y="0"/>
+          <a:ext cx="0" cy="0"/>
+          <a:chOff x="0" y="0"/>
+          <a:chExt cx="0" cy="0"/>
+        </a:xfrm>
+      </p:grpSpPr>
+      <p:sp>
+        <p:nvSpPr>
+          <p:cNvPr id="2" name="Title 1"/>
+          <p:cNvSpPr>
+            <a:spLocks noGrp="1"/>
+          </p:cNvSpPr>
+          <p:nvPr>
+            <p:ph type="title"/>
+          </p:nvPr>
+        </p:nvSpPr>
+        <p:spPr>
+          <a:xfrm>
+            <a:off x="1103312" y="792354"/>
+            <a:ext cx="9404723" cy="1400530"/>
+          </a:xfrm>
+        </p:spPr>
+        <p:txBody>
+          <a:bodyPr/>
+          <a:lstStyle/>
+          <a:p>
+            <a:pPr algn="ctr"/>
+            <a:r>
+              <a:rPr lang="en-US" sz="6000" dirty="0" smtClean="0"/>
+              <a:t/>
+            </a:r>
+            <a:br>
+              <a:rPr lang="en-US" sz="6000" dirty="0" smtClean="0"/>
+            </a:br>
+            <a:r>
+              <a:rPr lang="en-US" sz="8800" dirty="0" smtClean="0"/>
+              <a:t>THANK YOU</a:t>
+            </a:r>
+            <a:endParaRPr lang="en-US" sz="8800" dirty="0"/>
+          </a:p>
+        </p:txBody>
+      </p:sp>
+      <p:sp>
+        <p:nvSpPr>
+          <p:cNvPr id="3" name="Content Placeholder 2"/>
+          <p:cNvSpPr>
+            <a:spLocks noGrp="1"/>
+          </p:cNvSpPr>
+          <p:nvPr>
+            <p:ph idx="1"/>
+          </p:nvPr>
+        </p:nvSpPr>
+        <p:spPr/>
+        <p:txBody>
+          <a:bodyPr/>
+          <a:lstStyle/>
+          <a:p>
+            <a:pPr marL="0" indent="0" algn="ctr">
+              <a:buNone/>
+            </a:pPr>
+            <a:endParaRPr lang="en-US" dirty="0" smtClean="0"/>
+          </a:p>
+          <a:p>
+            <a:pPr marL="0" indent="0" algn="ctr">
+              <a:buNone/>
+            </a:pPr>
+            <a:endParaRPr lang="en-US" dirty="0"/>
+          </a:p>
+          <a:p>
+            <a:pPr marL="0" indent="0" algn="ctr">
+              <a:buNone/>
+            </a:pPr>
+            <a:endParaRPr lang="en-US" sz="5400" dirty="0" smtClean="0"/>
+          </a:p>
+        </p:txBody>
+      </p:sp>
+    </p:spTree>
+    <p:extLst>
+      <p:ext uri="{BB962C8B-B14F-4D97-AF65-F5344CB8AC3E}">
+        <p14:creationId xmlns:p14="http://schemas.microsoft.com/office/powerpoint/2010/main" val="480035059"/>
+      </p:ext>
+    </p:extLst>
+  </p:cSld>
+  <p:clrMapOvr>
+    <a:masterClrMapping/>
+  </p:clrMapOvr>
+  <p:timing>
+    <p:tnLst>
+      <p:par>
+        <p:cTn id="1" dur="indefinite" restart="never" nodeType="tmRoot"/>
+      </p:par>
+    </p:tnLst>
+  </p:timing>
+</p:sld>
+</file>
+
+<file path=ppt/slides/slide9.xml><?xml version="1.0" encoding="utf-8"?>
+<p:sld xmlns:a="http://schemas.openxmlformats.org/drawingml/2006/main" xmlns:r="http://schemas.openxmlformats.org/officeDocument/2006/relationships" xmlns:p="http://schemas.openxmlformats.org/presentationml/2006/main">
+  <p:cSld>
+    <p:spTree>
+      <p:nvGrpSpPr>
+        <p:cNvPr id="1" name=""/>
+        <p:cNvGrpSpPr/>
+        <p:nvPr/>
+      </p:nvGrpSpPr>
+      <p:grpSpPr>
+        <a:xfrm>
+          <a:off x="0" y="0"/>
+          <a:ext cx="0" cy="0"/>
+          <a:chOff x="0" y="0"/>
+          <a:chExt cx="0" cy="0"/>
+        </a:xfrm>
+      </p:grpSpPr>
+      <p:sp>
+        <p:nvSpPr>
+          <p:cNvPr id="2" name="Title 1"/>
+          <p:cNvSpPr>
+            <a:spLocks noGrp="1"/>
+          </p:cNvSpPr>
+          <p:nvPr>
+            <p:ph type="title"/>
+          </p:nvPr>
+        </p:nvSpPr>
+        <p:spPr>
+          <a:xfrm>
+            <a:off x="1691140" y="2830158"/>
+            <a:ext cx="9404723" cy="1400530"/>
+          </a:xfrm>
+        </p:spPr>
+        <p:txBody>
+          <a:bodyPr/>
+          <a:lstStyle/>
+          <a:p>
+            <a:r>
+              <a:rPr lang="en-US" sz="6000" dirty="0"/>
+              <a:t>Any </a:t>
+            </a:r>
+            <a:r>
+              <a:rPr lang="en-US" sz="6000" dirty="0" smtClean="0"/>
+              <a:t>Questions</a:t>
+            </a:r>
+            <a:r>
+              <a:rPr lang="en-US" sz="6000" dirty="0" smtClean="0">
+                <a:latin typeface="Arial" panose="020B0604020202020204" pitchFamily="34" charset="0"/>
+                <a:cs typeface="Arial" panose="020B0604020202020204" pitchFamily="34" charset="0"/>
+              </a:rPr>
+              <a:t> ?</a:t>
+            </a:r>
+            <a:r>
+              <a:rPr lang="en-US" sz="6000" dirty="0"/>
+              <a:t/>
+            </a:r>
+            <a:br>
+              <a:rPr lang="en-US" sz="6000" dirty="0"/>
+            </a:br>
+            <a:endParaRPr lang="en-US" sz="5400" dirty="0"/>
+          </a:p>
+        </p:txBody>
+      </p:sp>
+    </p:spTree>
+    <p:extLst>
+      <p:ext uri="{BB962C8B-B14F-4D97-AF65-F5344CB8AC3E}">
+        <p14:creationId xmlns:p14="http://schemas.microsoft.com/office/powerpoint/2010/main" val="1835104815"/>
+      </p:ext>
+    </p:extLst>
+  </p:cSld>
+  <p:clrMapOvr>
+    <a:masterClrMapping/>
+  </p:clrMapOvr>
+  <p:timing>
+    <p:tnLst>
+      <p:par>
+        <p:cTn id="1" dur="indefinite" restart="never" nodeType="tmRoot"/>
+      </p:par>
+    </p:tnLst>
+  </p:timing>
 </p:sld>
 </file>
 
